--- a/infografikk/corona.pptx
+++ b/infografikk/corona.pptx
@@ -8,9 +8,9 @@
     <p:sldId id="258" r:id="rId2"/>
     <p:sldId id="260" r:id="rId3"/>
     <p:sldId id="263" r:id="rId4"/>
-    <p:sldId id="259" r:id="rId5"/>
-    <p:sldId id="262" r:id="rId6"/>
-    <p:sldId id="261" r:id="rId7"/>
+    <p:sldId id="264" r:id="rId5"/>
+    <p:sldId id="259" r:id="rId6"/>
+    <p:sldId id="262" r:id="rId7"/>
   </p:sldIdLst>
   <p:sldSz cx="12192000" cy="6858000"/>
   <p:notesSz cx="6858000" cy="9144000"/>
@@ -3385,61 +3385,31 @@
           <a:chExt cx="0" cy="0"/>
         </a:xfrm>
       </p:grpSpPr>
-      <p:pic>
-        <p:nvPicPr>
-          <p:cNvPr id="9" name="Billede 8">
-            <a:extLst>
-              <a:ext uri="{FF2B5EF4-FFF2-40B4-BE49-F238E27FC236}">
-                <a16:creationId xmlns:a16="http://schemas.microsoft.com/office/drawing/2014/main" id="{00D0FA68-DAAF-2D48-B29C-A2F8EA3BF78D}"/>
-              </a:ext>
-            </a:extLst>
-          </p:cNvPr>
-          <p:cNvPicPr>
-            <a:picLocks noChangeAspect="1"/>
-          </p:cNvPicPr>
-          <p:nvPr/>
-        </p:nvPicPr>
-        <p:blipFill>
-          <a:blip r:embed="rId2"/>
-          <a:stretch>
-            <a:fillRect/>
-          </a:stretch>
-        </p:blipFill>
+      <p:sp>
+        <p:nvSpPr>
+          <p:cNvPr id="13" name="Pladsholder til indhold 12">
+            <a:extLst>
+              <a:ext uri="{FF2B5EF4-FFF2-40B4-BE49-F238E27FC236}">
+                <a16:creationId xmlns:a16="http://schemas.microsoft.com/office/drawing/2014/main" id="{804D7C65-E9EB-504E-9BF2-D05B5E6A4D76}"/>
+              </a:ext>
+            </a:extLst>
+          </p:cNvPr>
+          <p:cNvSpPr>
+            <a:spLocks noGrp="1"/>
+          </p:cNvSpPr>
+          <p:nvPr>
+            <p:ph idx="1"/>
+          </p:nvPr>
+        </p:nvSpPr>
         <p:spPr>
           <a:xfrm>
-            <a:off x="-314867" y="5040890"/>
-            <a:ext cx="13071116" cy="1382233"/>
-          </a:xfrm>
-          <a:prstGeom prst="rect">
-            <a:avLst/>
-          </a:prstGeom>
-        </p:spPr>
-      </p:pic>
-      <p:sp>
-        <p:nvSpPr>
-          <p:cNvPr id="13" name="Pladsholder til indhold 12">
-            <a:extLst>
-              <a:ext uri="{FF2B5EF4-FFF2-40B4-BE49-F238E27FC236}">
-                <a16:creationId xmlns:a16="http://schemas.microsoft.com/office/drawing/2014/main" id="{804D7C65-E9EB-504E-9BF2-D05B5E6A4D76}"/>
-              </a:ext>
-            </a:extLst>
-          </p:cNvPr>
-          <p:cNvSpPr>
-            <a:spLocks noGrp="1"/>
-          </p:cNvSpPr>
-          <p:nvPr>
-            <p:ph idx="1"/>
-          </p:nvPr>
-        </p:nvSpPr>
-        <p:spPr>
-          <a:xfrm>
-            <a:off x="563742" y="606425"/>
-            <a:ext cx="10515600" cy="3799320"/>
+            <a:off x="457200" y="966642"/>
+            <a:ext cx="11079342" cy="4478193"/>
           </a:xfrm>
         </p:spPr>
         <p:txBody>
           <a:bodyPr>
-            <a:normAutofit lnSpcReduction="10000"/>
+            <a:normAutofit/>
           </a:bodyPr>
           <a:lstStyle/>
           <a:p>
@@ -3556,8 +3526,8 @@
         </p:blipFill>
         <p:spPr>
           <a:xfrm>
-            <a:off x="388228" y="144183"/>
-            <a:ext cx="9087427" cy="2890306"/>
+            <a:off x="3782291" y="1327079"/>
+            <a:ext cx="8007627" cy="2546870"/>
           </a:xfrm>
         </p:spPr>
       </p:pic>
@@ -3583,7 +3553,7 @@
         </p:blipFill>
         <p:spPr>
           <a:xfrm>
-            <a:off x="388228" y="3180908"/>
+            <a:off x="402082" y="1308692"/>
             <a:ext cx="2283590" cy="3532909"/>
           </a:xfrm>
           <a:prstGeom prst="rect">
@@ -3591,12 +3561,49 @@
           </a:prstGeom>
         </p:spPr>
       </p:pic>
+      <p:sp>
+        <p:nvSpPr>
+          <p:cNvPr id="21" name="Tekstfelt 20">
+            <a:extLst>
+              <a:ext uri="{FF2B5EF4-FFF2-40B4-BE49-F238E27FC236}">
+                <a16:creationId xmlns:a16="http://schemas.microsoft.com/office/drawing/2014/main" id="{09BF6CA1-26A4-9940-8606-27D5FDF157AB}"/>
+              </a:ext>
+            </a:extLst>
+          </p:cNvPr>
+          <p:cNvSpPr txBox="1"/>
+          <p:nvPr/>
+        </p:nvSpPr>
+        <p:spPr>
+          <a:xfrm>
+            <a:off x="1052946" y="277090"/>
+            <a:ext cx="10280072" cy="830997"/>
+          </a:xfrm>
+          <a:prstGeom prst="rect">
+            <a:avLst/>
+          </a:prstGeom>
+          <a:noFill/>
+        </p:spPr>
+        <p:txBody>
+          <a:bodyPr wrap="square" rtlCol="0">
+            <a:spAutoFit/>
+          </a:bodyPr>
+          <a:lstStyle/>
+          <a:p>
+            <a:pPr algn="ctr"/>
+            <a:r>
+              <a:rPr lang="da-DK" sz="4800" b="1" dirty="0"/>
+              <a:t>Designet</a:t>
+            </a:r>
+            <a:endParaRPr lang="da-DK" sz="4800" dirty="0"/>
+          </a:p>
+        </p:txBody>
+      </p:sp>
       <p:pic>
         <p:nvPicPr>
-          <p:cNvPr id="14" name="Billede 13">
-            <a:extLst>
-              <a:ext uri="{FF2B5EF4-FFF2-40B4-BE49-F238E27FC236}">
-                <a16:creationId xmlns:a16="http://schemas.microsoft.com/office/drawing/2014/main" id="{94B14C3D-FD9B-914E-9563-9BD2A59689D6}"/>
+          <p:cNvPr id="22" name="Billede 21">
+            <a:extLst>
+              <a:ext uri="{FF2B5EF4-FFF2-40B4-BE49-F238E27FC236}">
+                <a16:creationId xmlns:a16="http://schemas.microsoft.com/office/drawing/2014/main" id="{50FAC6A8-DD1A-1D40-BF48-B125D36BD2E5}"/>
               </a:ext>
             </a:extLst>
           </p:cNvPr>
@@ -3613,8 +3620,98 @@
         </p:blipFill>
         <p:spPr>
           <a:xfrm>
-            <a:off x="2927140" y="3429000"/>
-            <a:ext cx="8876632" cy="1246956"/>
+            <a:off x="402082" y="5516966"/>
+            <a:ext cx="9402667" cy="994305"/>
+          </a:xfrm>
+          <a:prstGeom prst="rect">
+            <a:avLst/>
+          </a:prstGeom>
+        </p:spPr>
+      </p:pic>
+      <p:pic>
+        <p:nvPicPr>
+          <p:cNvPr id="24" name="Billede 23" descr="Et billede, der indeholder tegning&#10;&#10;Automatisk genereret beskrivelse">
+            <a:extLst>
+              <a:ext uri="{FF2B5EF4-FFF2-40B4-BE49-F238E27FC236}">
+                <a16:creationId xmlns:a16="http://schemas.microsoft.com/office/drawing/2014/main" id="{AACBB23E-844C-AE42-B0B1-D82BADB57DBB}"/>
+              </a:ext>
+            </a:extLst>
+          </p:cNvPr>
+          <p:cNvPicPr>
+            <a:picLocks noChangeAspect="1"/>
+          </p:cNvPicPr>
+          <p:nvPr/>
+        </p:nvPicPr>
+        <p:blipFill>
+          <a:blip r:embed="rId5"/>
+          <a:stretch>
+            <a:fillRect/>
+          </a:stretch>
+        </p:blipFill>
+        <p:spPr>
+          <a:xfrm>
+            <a:off x="3904872" y="4149307"/>
+            <a:ext cx="1409745" cy="1092300"/>
+          </a:xfrm>
+          <a:prstGeom prst="rect">
+            <a:avLst/>
+          </a:prstGeom>
+        </p:spPr>
+      </p:pic>
+      <p:pic>
+        <p:nvPicPr>
+          <p:cNvPr id="26" name="Billede 25">
+            <a:extLst>
+              <a:ext uri="{FF2B5EF4-FFF2-40B4-BE49-F238E27FC236}">
+                <a16:creationId xmlns:a16="http://schemas.microsoft.com/office/drawing/2014/main" id="{F486AE33-0944-7B4D-B136-2D81D9C2F1F5}"/>
+              </a:ext>
+            </a:extLst>
+          </p:cNvPr>
+          <p:cNvPicPr>
+            <a:picLocks noChangeAspect="1"/>
+          </p:cNvPicPr>
+          <p:nvPr/>
+        </p:nvPicPr>
+        <p:blipFill>
+          <a:blip r:embed="rId6"/>
+          <a:stretch>
+            <a:fillRect/>
+          </a:stretch>
+        </p:blipFill>
+        <p:spPr>
+          <a:xfrm>
+            <a:off x="5828944" y="4149307"/>
+            <a:ext cx="1409745" cy="1092300"/>
+          </a:xfrm>
+          <a:prstGeom prst="rect">
+            <a:avLst/>
+          </a:prstGeom>
+        </p:spPr>
+      </p:pic>
+      <p:pic>
+        <p:nvPicPr>
+          <p:cNvPr id="28" name="Billede 27" descr="Et billede, der indeholder bro&#10;&#10;Automatisk genereret beskrivelse">
+            <a:extLst>
+              <a:ext uri="{FF2B5EF4-FFF2-40B4-BE49-F238E27FC236}">
+                <a16:creationId xmlns:a16="http://schemas.microsoft.com/office/drawing/2014/main" id="{83EE9073-DDE0-5240-B9F7-DC424B29845A}"/>
+              </a:ext>
+            </a:extLst>
+          </p:cNvPr>
+          <p:cNvPicPr>
+            <a:picLocks noChangeAspect="1"/>
+          </p:cNvPicPr>
+          <p:nvPr/>
+        </p:nvPicPr>
+        <p:blipFill>
+          <a:blip r:embed="rId7"/>
+          <a:stretch>
+            <a:fillRect/>
+          </a:stretch>
+        </p:blipFill>
+        <p:spPr>
+          <a:xfrm>
+            <a:off x="7753016" y="4149307"/>
+            <a:ext cx="1409745" cy="1092300"/>
           </a:xfrm>
           <a:prstGeom prst="rect">
             <a:avLst/>
@@ -3651,21 +3748,48 @@
           <a:chExt cx="0" cy="0"/>
         </a:xfrm>
       </p:grpSpPr>
+      <p:sp>
+        <p:nvSpPr>
+          <p:cNvPr id="2" name="Titel 1">
+            <a:extLst>
+              <a:ext uri="{FF2B5EF4-FFF2-40B4-BE49-F238E27FC236}">
+                <a16:creationId xmlns:a16="http://schemas.microsoft.com/office/drawing/2014/main" id="{FDC69B43-9107-2D49-B1AC-DE7113A57230}"/>
+              </a:ext>
+            </a:extLst>
+          </p:cNvPr>
+          <p:cNvSpPr>
+            <a:spLocks noGrp="1"/>
+          </p:cNvSpPr>
+          <p:nvPr>
+            <p:ph type="title"/>
+          </p:nvPr>
+        </p:nvSpPr>
+        <p:spPr/>
+        <p:txBody>
+          <a:bodyPr/>
+          <a:lstStyle/>
+          <a:p>
+            <a:r>
+              <a:rPr lang="da-DK" dirty="0" err="1"/>
+              <a:t>Bootstrap</a:t>
+            </a:r>
+            <a:endParaRPr lang="da-DK" dirty="0"/>
+          </a:p>
+        </p:txBody>
+      </p:sp>
       <p:pic>
         <p:nvPicPr>
-          <p:cNvPr id="5" name="Pladsholder til indhold 4" descr="Et billede, der indeholder skærmbillede&#10;&#10;Automatisk genereret beskrivelse">
-            <a:extLst>
-              <a:ext uri="{FF2B5EF4-FFF2-40B4-BE49-F238E27FC236}">
-                <a16:creationId xmlns:a16="http://schemas.microsoft.com/office/drawing/2014/main" id="{42D17D87-DFF7-7B48-BEDA-31F4A94E9F7C}"/>
+          <p:cNvPr id="4" name="Billede 3">
+            <a:extLst>
+              <a:ext uri="{FF2B5EF4-FFF2-40B4-BE49-F238E27FC236}">
+                <a16:creationId xmlns:a16="http://schemas.microsoft.com/office/drawing/2014/main" id="{0E4AB2B0-60C6-4C4F-BCD4-F29428978A34}"/>
               </a:ext>
             </a:extLst>
           </p:cNvPr>
           <p:cNvPicPr>
-            <a:picLocks noGrp="1" noChangeAspect="1"/>
+            <a:picLocks noChangeAspect="1"/>
           </p:cNvPicPr>
-          <p:nvPr>
-            <p:ph idx="1"/>
-          </p:nvPr>
+          <p:nvPr/>
         </p:nvPicPr>
         <p:blipFill>
           <a:blip r:embed="rId2"/>
@@ -3675,15 +3799,18 @@
         </p:blipFill>
         <p:spPr>
           <a:xfrm>
-            <a:off x="0" y="166255"/>
-            <a:ext cx="11698559" cy="5971309"/>
+            <a:off x="738122" y="1690688"/>
+            <a:ext cx="8876632" cy="1246956"/>
           </a:xfrm>
+          <a:prstGeom prst="rect">
+            <a:avLst/>
+          </a:prstGeom>
         </p:spPr>
       </p:pic>
     </p:spTree>
     <p:extLst>
       <p:ext uri="{BB962C8B-B14F-4D97-AF65-F5344CB8AC3E}">
-        <p14:creationId xmlns:p14="http://schemas.microsoft.com/office/powerpoint/2010/main" val="3192491764"/>
+        <p14:creationId xmlns:p14="http://schemas.microsoft.com/office/powerpoint/2010/main" val="3143372054"/>
       </p:ext>
     </p:extLst>
   </p:cSld>
@@ -3712,17 +3839,19 @@
       </p:grpSpPr>
       <p:pic>
         <p:nvPicPr>
-          <p:cNvPr id="5" name="Billede 4" descr="Et billede, der indeholder kort, tekst&#10;&#10;Automatisk genereret beskrivelse">
-            <a:extLst>
-              <a:ext uri="{FF2B5EF4-FFF2-40B4-BE49-F238E27FC236}">
-                <a16:creationId xmlns:a16="http://schemas.microsoft.com/office/drawing/2014/main" id="{3CB1BBA4-0B51-DC4A-A61B-63F0BA7972FA}"/>
+          <p:cNvPr id="5" name="Pladsholder til indhold 4" descr="Et billede, der indeholder skærmbillede&#10;&#10;Automatisk genereret beskrivelse">
+            <a:extLst>
+              <a:ext uri="{FF2B5EF4-FFF2-40B4-BE49-F238E27FC236}">
+                <a16:creationId xmlns:a16="http://schemas.microsoft.com/office/drawing/2014/main" id="{42D17D87-DFF7-7B48-BEDA-31F4A94E9F7C}"/>
               </a:ext>
             </a:extLst>
           </p:cNvPr>
           <p:cNvPicPr>
-            <a:picLocks noChangeAspect="1"/>
+            <a:picLocks noGrp="1" noChangeAspect="1"/>
           </p:cNvPicPr>
-          <p:nvPr/>
+          <p:nvPr>
+            <p:ph idx="1"/>
+          </p:nvPr>
         </p:nvPicPr>
         <p:blipFill>
           <a:blip r:embed="rId2"/>
@@ -3732,18 +3861,15 @@
         </p:blipFill>
         <p:spPr>
           <a:xfrm>
-            <a:off x="0" y="279258"/>
-            <a:ext cx="12192000" cy="6299483"/>
+            <a:off x="0" y="166255"/>
+            <a:ext cx="11698559" cy="5971309"/>
           </a:xfrm>
-          <a:prstGeom prst="rect">
-            <a:avLst/>
-          </a:prstGeom>
         </p:spPr>
       </p:pic>
     </p:spTree>
     <p:extLst>
       <p:ext uri="{BB962C8B-B14F-4D97-AF65-F5344CB8AC3E}">
-        <p14:creationId xmlns:p14="http://schemas.microsoft.com/office/powerpoint/2010/main" val="3642730160"/>
+        <p14:creationId xmlns:p14="http://schemas.microsoft.com/office/powerpoint/2010/main" val="3192491764"/>
       </p:ext>
     </p:extLst>
   </p:cSld>
@@ -3772,10 +3898,10 @@
       </p:grpSpPr>
       <p:pic>
         <p:nvPicPr>
-          <p:cNvPr id="5" name="Billede 4" descr="Et billede, der indeholder skærmbillede&#10;&#10;Automatisk genereret beskrivelse">
-            <a:extLst>
-              <a:ext uri="{FF2B5EF4-FFF2-40B4-BE49-F238E27FC236}">
-                <a16:creationId xmlns:a16="http://schemas.microsoft.com/office/drawing/2014/main" id="{08790458-223A-1B44-A3DF-4FA607A24223}"/>
+          <p:cNvPr id="5" name="Billede 4" descr="Et billede, der indeholder kort, tekst&#10;&#10;Automatisk genereret beskrivelse">
+            <a:extLst>
+              <a:ext uri="{FF2B5EF4-FFF2-40B4-BE49-F238E27FC236}">
+                <a16:creationId xmlns:a16="http://schemas.microsoft.com/office/drawing/2014/main" id="{3CB1BBA4-0B51-DC4A-A61B-63F0BA7972FA}"/>
               </a:ext>
             </a:extLst>
           </p:cNvPr>
@@ -3792,8 +3918,8 @@
         </p:blipFill>
         <p:spPr>
           <a:xfrm>
-            <a:off x="-471056" y="0"/>
-            <a:ext cx="12909177" cy="6858000"/>
+            <a:off x="0" y="279258"/>
+            <a:ext cx="12192000" cy="6299483"/>
           </a:xfrm>
           <a:prstGeom prst="rect">
             <a:avLst/>
@@ -3803,7 +3929,7 @@
     </p:spTree>
     <p:extLst>
       <p:ext uri="{BB962C8B-B14F-4D97-AF65-F5344CB8AC3E}">
-        <p14:creationId xmlns:p14="http://schemas.microsoft.com/office/powerpoint/2010/main" val="2275104103"/>
+        <p14:creationId xmlns:p14="http://schemas.microsoft.com/office/powerpoint/2010/main" val="3642730160"/>
       </p:ext>
     </p:extLst>
   </p:cSld>
